--- a/review1.pptx
+++ b/review1.pptx
@@ -5,7 +5,7 @@
     <p:sldMasterId id="2147483660" r:id="rId1"/>
   </p:sldMasterIdLst>
   <p:notesMasterIdLst>
-    <p:notesMasterId r:id="rId19"/>
+    <p:notesMasterId r:id="rId18"/>
   </p:notesMasterIdLst>
   <p:sldIdLst>
     <p:sldId id="256" r:id="rId2"/>
@@ -15,16 +15,15 @@
     <p:sldId id="277" r:id="rId6"/>
     <p:sldId id="260" r:id="rId7"/>
     <p:sldId id="261" r:id="rId8"/>
-    <p:sldId id="275" r:id="rId9"/>
-    <p:sldId id="279" r:id="rId10"/>
-    <p:sldId id="259" r:id="rId11"/>
-    <p:sldId id="262" r:id="rId12"/>
-    <p:sldId id="263" r:id="rId13"/>
-    <p:sldId id="264" r:id="rId14"/>
-    <p:sldId id="268" r:id="rId15"/>
-    <p:sldId id="265" r:id="rId16"/>
-    <p:sldId id="274" r:id="rId17"/>
-    <p:sldId id="266" r:id="rId18"/>
+    <p:sldId id="279" r:id="rId9"/>
+    <p:sldId id="259" r:id="rId10"/>
+    <p:sldId id="262" r:id="rId11"/>
+    <p:sldId id="263" r:id="rId12"/>
+    <p:sldId id="264" r:id="rId13"/>
+    <p:sldId id="268" r:id="rId14"/>
+    <p:sldId id="265" r:id="rId15"/>
+    <p:sldId id="274" r:id="rId16"/>
+    <p:sldId id="266" r:id="rId17"/>
   </p:sldIdLst>
   <p:sldSz cx="12192000" cy="6858000"/>
   <p:notesSz cx="6858000" cy="9144000"/>
@@ -213,7 +212,7 @@
           <a:p>
             <a:fld id="{1B8AD288-E15B-4271-B55D-DDB1B43DC8BE}" type="datetimeFigureOut">
               <a:rPr lang="en-IN" smtClean="0"/>
-              <a:t>17-10-2024</a:t>
+              <a:t>08-01-2025</a:t>
             </a:fld>
             <a:endParaRPr lang="en-IN"/>
           </a:p>
@@ -782,7 +781,7 @@
           <a:p>
             <a:fld id="{4994CE30-7D40-4BC0-BA0D-56C992D5B4BD}" type="datetimeFigureOut">
               <a:rPr lang="en-GB" smtClean="0"/>
-              <a:t>17/10/2024</a:t>
+              <a:t>08/01/2025</a:t>
             </a:fld>
             <a:endParaRPr lang="en-GB"/>
           </a:p>
@@ -950,7 +949,7 @@
           <a:p>
             <a:fld id="{4994CE30-7D40-4BC0-BA0D-56C992D5B4BD}" type="datetimeFigureOut">
               <a:rPr lang="en-GB" smtClean="0"/>
-              <a:t>17/10/2024</a:t>
+              <a:t>08/01/2025</a:t>
             </a:fld>
             <a:endParaRPr lang="en-GB"/>
           </a:p>
@@ -1128,7 +1127,7 @@
           <a:p>
             <a:fld id="{4994CE30-7D40-4BC0-BA0D-56C992D5B4BD}" type="datetimeFigureOut">
               <a:rPr lang="en-GB" smtClean="0"/>
-              <a:t>17/10/2024</a:t>
+              <a:t>08/01/2025</a:t>
             </a:fld>
             <a:endParaRPr lang="en-GB"/>
           </a:p>
@@ -1343,7 +1342,7 @@
           <a:p>
             <a:fld id="{4994CE30-7D40-4BC0-BA0D-56C992D5B4BD}" type="datetimeFigureOut">
               <a:rPr lang="en-GB" smtClean="0"/>
-              <a:t>17/10/2024</a:t>
+              <a:t>08/01/2025</a:t>
             </a:fld>
             <a:endParaRPr lang="en-GB"/>
           </a:p>
@@ -1588,7 +1587,7 @@
           <a:p>
             <a:fld id="{4994CE30-7D40-4BC0-BA0D-56C992D5B4BD}" type="datetimeFigureOut">
               <a:rPr lang="en-GB" smtClean="0"/>
-              <a:t>17/10/2024</a:t>
+              <a:t>08/01/2025</a:t>
             </a:fld>
             <a:endParaRPr lang="en-GB"/>
           </a:p>
@@ -1882,7 +1881,7 @@
           <a:p>
             <a:fld id="{4994CE30-7D40-4BC0-BA0D-56C992D5B4BD}" type="datetimeFigureOut">
               <a:rPr lang="en-GB" smtClean="0"/>
-              <a:t>17/10/2024</a:t>
+              <a:t>08/01/2025</a:t>
             </a:fld>
             <a:endParaRPr lang="en-GB"/>
           </a:p>
@@ -2310,7 +2309,7 @@
           <a:p>
             <a:fld id="{4994CE30-7D40-4BC0-BA0D-56C992D5B4BD}" type="datetimeFigureOut">
               <a:rPr lang="en-GB" smtClean="0"/>
-              <a:t>17/10/2024</a:t>
+              <a:t>08/01/2025</a:t>
             </a:fld>
             <a:endParaRPr lang="en-GB"/>
           </a:p>
@@ -2432,7 +2431,7 @@
           <a:p>
             <a:fld id="{4994CE30-7D40-4BC0-BA0D-56C992D5B4BD}" type="datetimeFigureOut">
               <a:rPr lang="en-GB" smtClean="0"/>
-              <a:t>17/10/2024</a:t>
+              <a:t>08/01/2025</a:t>
             </a:fld>
             <a:endParaRPr lang="en-GB"/>
           </a:p>
@@ -2568,7 +2567,7 @@
           <a:p>
             <a:fld id="{4994CE30-7D40-4BC0-BA0D-56C992D5B4BD}" type="datetimeFigureOut">
               <a:rPr lang="en-GB" smtClean="0"/>
-              <a:t>17/10/2024</a:t>
+              <a:t>08/01/2025</a:t>
             </a:fld>
             <a:endParaRPr lang="en-GB"/>
           </a:p>
@@ -2843,7 +2842,7 @@
           <a:p>
             <a:fld id="{4994CE30-7D40-4BC0-BA0D-56C992D5B4BD}" type="datetimeFigureOut">
               <a:rPr lang="en-GB" smtClean="0"/>
-              <a:t>17/10/2024</a:t>
+              <a:t>08/01/2025</a:t>
             </a:fld>
             <a:endParaRPr lang="en-GB"/>
           </a:p>
@@ -3099,7 +3098,7 @@
           <a:p>
             <a:fld id="{4994CE30-7D40-4BC0-BA0D-56C992D5B4BD}" type="datetimeFigureOut">
               <a:rPr lang="en-GB" smtClean="0"/>
-              <a:t>17/10/2024</a:t>
+              <a:t>08/01/2025</a:t>
             </a:fld>
             <a:endParaRPr lang="en-GB"/>
           </a:p>
@@ -3315,7 +3314,7 @@
           <a:p>
             <a:fld id="{4994CE30-7D40-4BC0-BA0D-56C992D5B4BD}" type="datetimeFigureOut">
               <a:rPr lang="en-GB" smtClean="0"/>
-              <a:t>17/10/2024</a:t>
+              <a:t>08/01/2025</a:t>
             </a:fld>
             <a:endParaRPr lang="en-GB"/>
           </a:p>
@@ -4216,7 +4215,7 @@
             <a:pPr algn="l"/>
             <a:r>
               <a:rPr lang="en-GB" sz="1700" dirty="0"/>
-              <a:t>Professor / Associate Professor / Assistant Professor</a:t>
+              <a:t>Assistant Professor</a:t>
             </a:r>
           </a:p>
           <a:p>
@@ -4423,9 +4422,10 @@
           </a:p>
           <a:p>
             <a:r>
-              <a:rPr lang="en-GB" dirty="0"/>
-              <a:t>Review-1</a:t>
-            </a:r>
+              <a:rPr lang="en-GB"/>
+              <a:t>Review-4</a:t>
+            </a:r>
+            <a:endParaRPr lang="en-GB" dirty="0"/>
           </a:p>
         </p:txBody>
       </p:sp>
@@ -4717,382 +4717,6 @@
           <a:p>
             <a:r>
               <a:rPr lang="en-GB" dirty="0"/>
-              <a:t>Hardware/Software components</a:t>
-            </a:r>
-          </a:p>
-        </p:txBody>
-      </p:sp>
-      <p:sp>
-        <p:nvSpPr>
-          <p:cNvPr id="3" name="Content Placeholder 2"/>
-          <p:cNvSpPr>
-            <a:spLocks noGrp="1"/>
-          </p:cNvSpPr>
-          <p:nvPr>
-            <p:ph idx="1"/>
-          </p:nvPr>
-        </p:nvSpPr>
-        <p:spPr>
-          <a:xfrm>
-            <a:off x="812800" y="1143001"/>
-            <a:ext cx="6863127" cy="4435678"/>
-          </a:xfrm>
-        </p:spPr>
-        <p:txBody>
-          <a:bodyPr>
-            <a:normAutofit fontScale="62500" lnSpcReduction="20000"/>
-          </a:bodyPr>
-          <a:lstStyle/>
-          <a:p>
-            <a:pPr marL="0" indent="0" algn="just">
-              <a:buNone/>
-            </a:pPr>
-            <a:r>
-              <a:rPr lang="en-IN" sz="2100" u="sng" dirty="0">
-                <a:effectLst/>
-              </a:rPr>
-              <a:t>Hardware:</a:t>
-            </a:r>
-            <a:endParaRPr lang="en-IN" sz="2100" dirty="0">
-              <a:effectLst/>
-            </a:endParaRPr>
-          </a:p>
-          <a:p>
-            <a:pPr marL="342900" lvl="0" indent="-342900" algn="just">
-              <a:buSzPts val="1000"/>
-              <a:buFont typeface="Symbol" panose="05050102010706020507" pitchFamily="18" charset="2"/>
-              <a:buChar char=""/>
-              <a:tabLst>
-                <a:tab pos="457200" algn="l"/>
-              </a:tabLst>
-            </a:pPr>
-            <a:r>
-              <a:rPr lang="en-IN" sz="2100" dirty="0">
-                <a:effectLst/>
-              </a:rPr>
-              <a:t>Smartphone/Tablet: The app is primarily developed for mobile platforms, requiring users to have a smartphone or tablet with support for modern operating systems like Android or iOS.</a:t>
-            </a:r>
-          </a:p>
-          <a:p>
-            <a:pPr marL="0" lvl="0" indent="0" algn="just">
-              <a:buSzPts val="1000"/>
-              <a:buNone/>
-              <a:tabLst>
-                <a:tab pos="457200" algn="l"/>
-              </a:tabLst>
-            </a:pPr>
-            <a:endParaRPr lang="en-IN" sz="2100" dirty="0">
-              <a:effectLst/>
-            </a:endParaRPr>
-          </a:p>
-          <a:p>
-            <a:pPr marL="342900" lvl="0" indent="-342900" algn="just">
-              <a:buSzPts val="1000"/>
-              <a:buFont typeface="Symbol" panose="05050102010706020507" pitchFamily="18" charset="2"/>
-              <a:buChar char=""/>
-              <a:tabLst>
-                <a:tab pos="457200" algn="l"/>
-              </a:tabLst>
-            </a:pPr>
-            <a:r>
-              <a:rPr lang="en-IN" sz="2100" dirty="0">
-                <a:effectLst/>
-              </a:rPr>
-              <a:t>Cloud Storage/Server: Data from the app, such as user health metrics and food intake history, will be stored and processed using Firebase for secure and efficient cloud-based data management.</a:t>
-            </a:r>
-          </a:p>
-          <a:p>
-            <a:pPr marL="0" lvl="0" indent="0" algn="just">
-              <a:buSzPts val="1000"/>
-              <a:buNone/>
-              <a:tabLst>
-                <a:tab pos="457200" algn="l"/>
-              </a:tabLst>
-            </a:pPr>
-            <a:endParaRPr lang="en-IN" sz="2100" dirty="0">
-              <a:effectLst/>
-            </a:endParaRPr>
-          </a:p>
-          <a:p>
-            <a:pPr marL="0" indent="0" algn="just">
-              <a:buNone/>
-            </a:pPr>
-            <a:r>
-              <a:rPr lang="en-IN" sz="2100" u="sng" dirty="0">
-                <a:effectLst/>
-              </a:rPr>
-              <a:t>Software:</a:t>
-            </a:r>
-          </a:p>
-          <a:p>
-            <a:pPr marL="0" indent="0" algn="just">
-              <a:buNone/>
-            </a:pPr>
-            <a:endParaRPr lang="en-IN" sz="2100" dirty="0">
-              <a:effectLst/>
-            </a:endParaRPr>
-          </a:p>
-          <a:p>
-            <a:pPr marL="342900" lvl="0" indent="-342900" algn="just">
-              <a:buSzPts val="1000"/>
-              <a:buFont typeface="Symbol" panose="05050102010706020507" pitchFamily="18" charset="2"/>
-              <a:buChar char=""/>
-              <a:tabLst>
-                <a:tab pos="457200" algn="l"/>
-              </a:tabLst>
-            </a:pPr>
-            <a:r>
-              <a:rPr lang="en-IN" sz="2100" dirty="0">
-                <a:effectLst/>
-              </a:rPr>
-              <a:t>Flutter SDK: The app is developed using Flutter, a cross-platform framework that enables the creation of a single codebase for both Android and iOS platforms.</a:t>
-            </a:r>
-          </a:p>
-          <a:p>
-            <a:pPr marL="0" lvl="0" indent="0" algn="just">
-              <a:buSzPts val="1000"/>
-              <a:buNone/>
-              <a:tabLst>
-                <a:tab pos="457200" algn="l"/>
-              </a:tabLst>
-            </a:pPr>
-            <a:r>
-              <a:rPr lang="en-IN" sz="2100" dirty="0">
-                <a:effectLst/>
-              </a:rPr>
-              <a:t> </a:t>
-            </a:r>
-          </a:p>
-          <a:p>
-            <a:pPr marL="342900" lvl="0" indent="-342900" algn="just">
-              <a:buSzPts val="1000"/>
-              <a:buFont typeface="Symbol" panose="05050102010706020507" pitchFamily="18" charset="2"/>
-              <a:buChar char=""/>
-              <a:tabLst>
-                <a:tab pos="457200" algn="l"/>
-              </a:tabLst>
-            </a:pPr>
-            <a:r>
-              <a:rPr lang="en-IN" sz="2100" dirty="0">
-                <a:effectLst/>
-              </a:rPr>
-              <a:t>Dart Programming Language: As Flutter's primary language, Dart is used to build the logic, user interface, and functionalities of the app.</a:t>
-            </a:r>
-          </a:p>
-          <a:p>
-            <a:pPr marL="0" lvl="0" indent="0" algn="just">
-              <a:buSzPts val="1000"/>
-              <a:buNone/>
-              <a:tabLst>
-                <a:tab pos="457200" algn="l"/>
-              </a:tabLst>
-            </a:pPr>
-            <a:endParaRPr lang="en-IN" sz="2100" dirty="0">
-              <a:effectLst/>
-            </a:endParaRPr>
-          </a:p>
-          <a:p>
-            <a:pPr marL="342900" lvl="0" indent="-342900" algn="just">
-              <a:buSzPts val="1000"/>
-              <a:buFont typeface="Symbol" panose="05050102010706020507" pitchFamily="18" charset="2"/>
-              <a:buChar char=""/>
-              <a:tabLst>
-                <a:tab pos="457200" algn="l"/>
-              </a:tabLst>
-            </a:pPr>
-            <a:r>
-              <a:rPr lang="en-IN" sz="2100" dirty="0">
-                <a:effectLst/>
-              </a:rPr>
-              <a:t>Machine Learning Libraries: Python-based libraries such as TensorFlow and scikit-learn are used for building and training the machine learning model that predicts calories, vitamins, and proteins from food intake. </a:t>
-            </a:r>
-          </a:p>
-          <a:p>
-            <a:pPr marL="0" lvl="0" indent="0" algn="just">
-              <a:buSzPts val="1000"/>
-              <a:buNone/>
-              <a:tabLst>
-                <a:tab pos="457200" algn="l"/>
-              </a:tabLst>
-            </a:pPr>
-            <a:endParaRPr lang="en-IN" sz="2100" dirty="0">
-              <a:effectLst/>
-            </a:endParaRPr>
-          </a:p>
-          <a:p>
-            <a:pPr marL="342900" lvl="0" indent="-342900" algn="just">
-              <a:buSzPts val="1000"/>
-              <a:buFont typeface="Symbol" panose="05050102010706020507" pitchFamily="18" charset="2"/>
-              <a:buChar char=""/>
-              <a:tabLst>
-                <a:tab pos="457200" algn="l"/>
-              </a:tabLst>
-            </a:pPr>
-            <a:r>
-              <a:rPr lang="en-IN" sz="2100" dirty="0">
-                <a:effectLst/>
-              </a:rPr>
-              <a:t>Firebase: The app uses Firebase for authentication (login/registration), real-time database management, and cloud storage. </a:t>
-            </a:r>
-            <a:endParaRPr lang="en-GB" dirty="0"/>
-          </a:p>
-        </p:txBody>
-      </p:sp>
-      <p:pic>
-        <p:nvPicPr>
-          <p:cNvPr id="5" name="Picture 4">
-            <a:extLst>
-              <a:ext uri="{FF2B5EF4-FFF2-40B4-BE49-F238E27FC236}">
-                <a16:creationId xmlns:a16="http://schemas.microsoft.com/office/drawing/2014/main" id="{C9538618-0CCC-D4FF-6ADA-77E2AC4AFAB3}"/>
-              </a:ext>
-            </a:extLst>
-          </p:cNvPr>
-          <p:cNvPicPr>
-            <a:picLocks noChangeAspect="1"/>
-          </p:cNvPicPr>
-          <p:nvPr/>
-        </p:nvPicPr>
-        <p:blipFill>
-          <a:blip r:embed="rId2">
-            <a:extLst>
-              <a:ext uri="{28A0092B-C50C-407E-A947-70E740481C1C}">
-                <a14:useLocalDpi xmlns:a14="http://schemas.microsoft.com/office/drawing/2010/main" val="0"/>
-              </a:ext>
-            </a:extLst>
-          </a:blip>
-          <a:stretch>
-            <a:fillRect/>
-          </a:stretch>
-        </p:blipFill>
-        <p:spPr>
-          <a:xfrm>
-            <a:off x="10179186" y="969590"/>
-            <a:ext cx="1544895" cy="1544895"/>
-          </a:xfrm>
-          <a:prstGeom prst="rect">
-            <a:avLst/>
-          </a:prstGeom>
-        </p:spPr>
-      </p:pic>
-      <p:pic>
-        <p:nvPicPr>
-          <p:cNvPr id="6" name="Picture 5">
-            <a:extLst>
-              <a:ext uri="{FF2B5EF4-FFF2-40B4-BE49-F238E27FC236}">
-                <a16:creationId xmlns:a16="http://schemas.microsoft.com/office/drawing/2014/main" id="{326FC910-5D54-BC55-5119-86812C0A6D11}"/>
-              </a:ext>
-            </a:extLst>
-          </p:cNvPr>
-          <p:cNvPicPr>
-            <a:picLocks noChangeAspect="1"/>
-          </p:cNvPicPr>
-          <p:nvPr/>
-        </p:nvPicPr>
-        <p:blipFill>
-          <a:blip r:embed="rId3" cstate="print">
-            <a:extLst>
-              <a:ext uri="{28A0092B-C50C-407E-A947-70E740481C1C}">
-                <a14:useLocalDpi xmlns:a14="http://schemas.microsoft.com/office/drawing/2010/main" val="0"/>
-              </a:ext>
-            </a:extLst>
-          </a:blip>
-          <a:stretch>
-            <a:fillRect/>
-          </a:stretch>
-        </p:blipFill>
-        <p:spPr>
-          <a:xfrm>
-            <a:off x="8123884" y="2514485"/>
-            <a:ext cx="2265027" cy="2150223"/>
-          </a:xfrm>
-          <a:prstGeom prst="rect">
-            <a:avLst/>
-          </a:prstGeom>
-        </p:spPr>
-      </p:pic>
-      <p:pic>
-        <p:nvPicPr>
-          <p:cNvPr id="8" name="Picture 7">
-            <a:extLst>
-              <a:ext uri="{FF2B5EF4-FFF2-40B4-BE49-F238E27FC236}">
-                <a16:creationId xmlns:a16="http://schemas.microsoft.com/office/drawing/2014/main" id="{35BB2982-F666-4CDD-55AA-C361CF97C9B1}"/>
-              </a:ext>
-            </a:extLst>
-          </p:cNvPr>
-          <p:cNvPicPr>
-            <a:picLocks noChangeAspect="1"/>
-          </p:cNvPicPr>
-          <p:nvPr/>
-        </p:nvPicPr>
-        <p:blipFill>
-          <a:blip r:embed="rId4">
-            <a:extLst>
-              <a:ext uri="{28A0092B-C50C-407E-A947-70E740481C1C}">
-                <a14:useLocalDpi xmlns:a14="http://schemas.microsoft.com/office/drawing/2010/main" val="0"/>
-              </a:ext>
-            </a:extLst>
-          </a:blip>
-          <a:stretch>
-            <a:fillRect/>
-          </a:stretch>
-        </p:blipFill>
-        <p:spPr>
-          <a:xfrm>
-            <a:off x="9944974" y="4435951"/>
-            <a:ext cx="1714500" cy="1714500"/>
-          </a:xfrm>
-          <a:prstGeom prst="rect">
-            <a:avLst/>
-          </a:prstGeom>
-        </p:spPr>
-      </p:pic>
-    </p:spTree>
-    <p:extLst>
-      <p:ext uri="{BB962C8B-B14F-4D97-AF65-F5344CB8AC3E}">
-        <p14:creationId xmlns:p14="http://schemas.microsoft.com/office/powerpoint/2010/main" val="2659618667"/>
-      </p:ext>
-    </p:extLst>
-  </p:cSld>
-  <p:clrMapOvr>
-    <a:masterClrMapping/>
-  </p:clrMapOvr>
-</p:sld>
-</file>
-
-<file path=ppt/slides/slide11.xml><?xml version="1.0" encoding="utf-8"?>
-<p:sld xmlns:a="http://schemas.openxmlformats.org/drawingml/2006/main" xmlns:r="http://schemas.openxmlformats.org/officeDocument/2006/relationships" xmlns:p="http://schemas.openxmlformats.org/presentationml/2006/main">
-  <p:cSld>
-    <p:spTree>
-      <p:nvGrpSpPr>
-        <p:cNvPr id="1" name=""/>
-        <p:cNvGrpSpPr/>
-        <p:nvPr/>
-      </p:nvGrpSpPr>
-      <p:grpSpPr>
-        <a:xfrm>
-          <a:off x="0" y="0"/>
-          <a:ext cx="0" cy="0"/>
-          <a:chOff x="0" y="0"/>
-          <a:chExt cx="0" cy="0"/>
-        </a:xfrm>
-      </p:grpSpPr>
-      <p:sp>
-        <p:nvSpPr>
-          <p:cNvPr id="2" name="Title 1"/>
-          <p:cNvSpPr>
-            <a:spLocks noGrp="1"/>
-          </p:cNvSpPr>
-          <p:nvPr>
-            <p:ph type="title"/>
-          </p:nvPr>
-        </p:nvSpPr>
-        <p:spPr/>
-        <p:txBody>
-          <a:bodyPr/>
-          <a:lstStyle/>
-          <a:p>
-            <a:r>
-              <a:rPr lang="en-GB" dirty="0"/>
               <a:t>Timeline of Project</a:t>
             </a:r>
           </a:p>
@@ -5146,6 +4770,111 @@
 </p:sld>
 </file>
 
+<file path=ppt/slides/slide11.xml><?xml version="1.0" encoding="utf-8"?>
+<p:sld xmlns:a="http://schemas.openxmlformats.org/drawingml/2006/main" xmlns:r="http://schemas.openxmlformats.org/officeDocument/2006/relationships" xmlns:p="http://schemas.openxmlformats.org/presentationml/2006/main">
+  <p:cSld>
+    <p:spTree>
+      <p:nvGrpSpPr>
+        <p:cNvPr id="1" name=""/>
+        <p:cNvGrpSpPr/>
+        <p:nvPr/>
+      </p:nvGrpSpPr>
+      <p:grpSpPr>
+        <a:xfrm>
+          <a:off x="0" y="0"/>
+          <a:ext cx="0" cy="0"/>
+          <a:chOff x="0" y="0"/>
+          <a:chExt cx="0" cy="0"/>
+        </a:xfrm>
+      </p:grpSpPr>
+      <p:sp>
+        <p:nvSpPr>
+          <p:cNvPr id="2" name="Title 1"/>
+          <p:cNvSpPr>
+            <a:spLocks noGrp="1"/>
+          </p:cNvSpPr>
+          <p:nvPr>
+            <p:ph type="title"/>
+          </p:nvPr>
+        </p:nvSpPr>
+        <p:spPr/>
+        <p:txBody>
+          <a:bodyPr/>
+          <a:lstStyle/>
+          <a:p>
+            <a:r>
+              <a:rPr lang="en-GB" dirty="0"/>
+              <a:t>Expected Outcomes</a:t>
+            </a:r>
+          </a:p>
+        </p:txBody>
+      </p:sp>
+      <p:sp>
+        <p:nvSpPr>
+          <p:cNvPr id="3" name="Content Placeholder 2"/>
+          <p:cNvSpPr>
+            <a:spLocks noGrp="1"/>
+          </p:cNvSpPr>
+          <p:nvPr>
+            <p:ph idx="1"/>
+          </p:nvPr>
+        </p:nvSpPr>
+        <p:spPr/>
+        <p:txBody>
+          <a:bodyPr>
+            <a:normAutofit/>
+          </a:bodyPr>
+          <a:lstStyle/>
+          <a:p>
+            <a:endParaRPr lang="en-US" sz="1600" dirty="0">
+              <a:effectLst/>
+            </a:endParaRPr>
+          </a:p>
+          <a:p>
+            <a:endParaRPr lang="en-US" sz="1600" dirty="0"/>
+          </a:p>
+          <a:p>
+            <a:pPr marL="0" indent="0" algn="just">
+              <a:buNone/>
+            </a:pPr>
+            <a:r>
+              <a:rPr lang="en-US" sz="1600" dirty="0">
+                <a:effectLst/>
+              </a:rPr>
+              <a:t>By developing this health and fitness app, we aim to create a platform where users can easily track their daily food intake, physical activities, and hydration habits. The app will automatically record steps and calories burned through in-built functions, while also allowing users to manually log their water intake. One of the main features we plan to implement is an API that will predict </a:t>
+            </a:r>
+            <a:r>
+              <a:rPr lang="en-US" sz="1600" dirty="0"/>
+              <a:t>food details like</a:t>
+            </a:r>
+            <a:r>
+              <a:rPr lang="en-US" sz="1600" dirty="0">
+                <a:effectLst/>
+              </a:rPr>
+              <a:t> vitamins, and proteins based on the food data entered by the user. This model will provide personalized insights into required nutrients, enabling users to make better dietary choices. Users will be able to monitor their progress, helping them track their health over time and adjust their routines as needed. Ultimately, this project will allow us to build a practical, data-driven app that promotes healthier habits through predictive analysis and personalized recommendations.</a:t>
+            </a:r>
+            <a:endParaRPr lang="en-IN" sz="1600" dirty="0">
+              <a:effectLst/>
+            </a:endParaRPr>
+          </a:p>
+          <a:p>
+            <a:endParaRPr lang="en-GB" dirty="0"/>
+          </a:p>
+        </p:txBody>
+      </p:sp>
+    </p:spTree>
+    <p:extLst>
+      <p:ext uri="{BB962C8B-B14F-4D97-AF65-F5344CB8AC3E}">
+        <p14:creationId xmlns:p14="http://schemas.microsoft.com/office/powerpoint/2010/main" val="1923928155"/>
+      </p:ext>
+    </p:extLst>
+  </p:cSld>
+  <p:clrMapOvr>
+    <a:masterClrMapping/>
+  </p:clrMapOvr>
+</p:sld>
+</file>
+
 <file path=ppt/slides/slide12.xml><?xml version="1.0" encoding="utf-8"?>
 <p:sld xmlns:a="http://schemas.openxmlformats.org/drawingml/2006/main" xmlns:r="http://schemas.openxmlformats.org/officeDocument/2006/relationships" xmlns:p="http://schemas.openxmlformats.org/presentationml/2006/main">
   <p:cSld>
@@ -5180,7 +4909,7 @@
           <a:p>
             <a:r>
               <a:rPr lang="en-GB" dirty="0"/>
-              <a:t>Expected Outcomes</a:t>
+              <a:t>Conclusion</a:t>
             </a:r>
           </a:p>
         </p:txBody>
@@ -5193,91 +4922,6 @@
           </p:cNvSpPr>
           <p:nvPr>
             <p:ph idx="1"/>
-          </p:nvPr>
-        </p:nvSpPr>
-        <p:spPr/>
-        <p:txBody>
-          <a:bodyPr>
-            <a:normAutofit/>
-          </a:bodyPr>
-          <a:lstStyle/>
-          <a:p>
-            <a:endParaRPr lang="en-US" sz="1600" dirty="0">
-              <a:effectLst/>
-            </a:endParaRPr>
-          </a:p>
-          <a:p>
-            <a:endParaRPr lang="en-US" sz="1600" dirty="0"/>
-          </a:p>
-          <a:p>
-            <a:pPr marL="0" indent="0">
-              <a:buNone/>
-            </a:pPr>
-            <a:r>
-              <a:rPr lang="en-US" sz="1600" dirty="0">
-                <a:effectLst/>
-              </a:rPr>
-              <a:t>By developing this health and fitness app, we aim to </a:t>
-            </a:r>
-            <a:r>
-              <a:rPr lang="en-US" sz="1600">
-                <a:effectLst/>
-              </a:rPr>
-              <a:t>create a </a:t>
-            </a:r>
-            <a:r>
-              <a:rPr lang="en-US" sz="1600" dirty="0">
-                <a:effectLst/>
-              </a:rPr>
-              <a:t>platform where users can easily track their daily food intake, physical activities, and hydration habits. The app will automatically record steps and calories burned through in-built functions, while also allowing users to manually log their water intake. One of the main features we plan to implement is a machine learning model that will predict calories, vitamins, and proteins based on the food data entered by the user. This model will provide personalized insights into nutrient deficiencies and potential health risks, enabling users to make better dietary choices. The app will also offer real-time feedback, sending reminders for hydration and physical activity. Users will be able to monitor their progress through charts and graphs, helping them track their health over time and adjust their routines as needed. Ultimately, this project will allow us to build a practical, data-driven app that promotes healthier habits through predictive analysis and personalized recommendations.</a:t>
-            </a:r>
-            <a:endParaRPr lang="en-IN" sz="1600" dirty="0">
-              <a:effectLst/>
-            </a:endParaRPr>
-          </a:p>
-          <a:p>
-            <a:endParaRPr lang="en-GB" dirty="0"/>
-          </a:p>
-        </p:txBody>
-      </p:sp>
-    </p:spTree>
-    <p:extLst>
-      <p:ext uri="{BB962C8B-B14F-4D97-AF65-F5344CB8AC3E}">
-        <p14:creationId xmlns:p14="http://schemas.microsoft.com/office/powerpoint/2010/main" val="1923928155"/>
-      </p:ext>
-    </p:extLst>
-  </p:cSld>
-  <p:clrMapOvr>
-    <a:masterClrMapping/>
-  </p:clrMapOvr>
-</p:sld>
-</file>
-
-<file path=ppt/slides/slide13.xml><?xml version="1.0" encoding="utf-8"?>
-<p:sld xmlns:a="http://schemas.openxmlformats.org/drawingml/2006/main" xmlns:r="http://schemas.openxmlformats.org/officeDocument/2006/relationships" xmlns:p="http://schemas.openxmlformats.org/presentationml/2006/main">
-  <p:cSld>
-    <p:spTree>
-      <p:nvGrpSpPr>
-        <p:cNvPr id="1" name=""/>
-        <p:cNvGrpSpPr/>
-        <p:nvPr/>
-      </p:nvGrpSpPr>
-      <p:grpSpPr>
-        <a:xfrm>
-          <a:off x="0" y="0"/>
-          <a:ext cx="0" cy="0"/>
-          <a:chOff x="0" y="0"/>
-          <a:chExt cx="0" cy="0"/>
-        </a:xfrm>
-      </p:grpSpPr>
-      <p:sp>
-        <p:nvSpPr>
-          <p:cNvPr id="2" name="Title 1"/>
-          <p:cNvSpPr>
-            <a:spLocks noGrp="1"/>
-          </p:cNvSpPr>
-          <p:nvPr>
-            <p:ph type="title"/>
           </p:nvPr>
         </p:nvSpPr>
         <p:spPr/>
@@ -5285,28 +4929,7 @@
           <a:bodyPr/>
           <a:lstStyle/>
           <a:p>
-            <a:r>
-              <a:rPr lang="en-GB" dirty="0"/>
-              <a:t>Conclusion</a:t>
-            </a:r>
-          </a:p>
-        </p:txBody>
-      </p:sp>
-      <p:sp>
-        <p:nvSpPr>
-          <p:cNvPr id="3" name="Content Placeholder 2"/>
-          <p:cNvSpPr>
-            <a:spLocks noGrp="1"/>
-          </p:cNvSpPr>
-          <p:nvPr>
-            <p:ph idx="1"/>
-          </p:nvPr>
-        </p:nvSpPr>
-        <p:spPr/>
-        <p:txBody>
-          <a:bodyPr/>
-          <a:lstStyle/>
-          <a:p>
+            <a:pPr algn="just"/>
             <a:r>
               <a:rPr lang="en-US" dirty="0">
                 <a:effectLst/>
@@ -5335,7 +4958,7 @@
 </p:sld>
 </file>
 
-<file path=ppt/slides/slide14.xml><?xml version="1.0" encoding="utf-8"?>
+<file path=ppt/slides/slide13.xml><?xml version="1.0" encoding="utf-8"?>
 <p:sld xmlns:a="http://schemas.openxmlformats.org/drawingml/2006/main" xmlns:r="http://schemas.openxmlformats.org/officeDocument/2006/relationships" xmlns:p="http://schemas.openxmlformats.org/presentationml/2006/main">
   <p:cSld>
     <p:spTree>
@@ -6369,7 +5992,7 @@
 </p:sld>
 </file>
 
-<file path=ppt/slides/slide15.xml><?xml version="1.0" encoding="utf-8"?>
+<file path=ppt/slides/slide14.xml><?xml version="1.0" encoding="utf-8"?>
 <p:sld xmlns:a="http://schemas.openxmlformats.org/drawingml/2006/main" xmlns:r="http://schemas.openxmlformats.org/officeDocument/2006/relationships" xmlns:p="http://schemas.openxmlformats.org/presentationml/2006/main">
   <p:cSld>
     <p:spTree>
@@ -6654,7 +6277,7 @@
 </p:sld>
 </file>
 
-<file path=ppt/slides/slide16.xml><?xml version="1.0" encoding="utf-8"?>
+<file path=ppt/slides/slide15.xml><?xml version="1.0" encoding="utf-8"?>
 <p:sld xmlns:a="http://schemas.openxmlformats.org/drawingml/2006/main" xmlns:r="http://schemas.openxmlformats.org/officeDocument/2006/relationships" xmlns:p="http://schemas.openxmlformats.org/presentationml/2006/main">
   <p:cSld>
     <p:spTree>
@@ -6810,8 +6433,8 @@
         </p:blipFill>
         <p:spPr>
           <a:xfrm>
-            <a:off x="3461969" y="999786"/>
-            <a:ext cx="5877973" cy="5420916"/>
+            <a:off x="1350628" y="1159614"/>
+            <a:ext cx="9102055" cy="4843572"/>
           </a:xfrm>
           <a:prstGeom prst="rect">
             <a:avLst/>
@@ -6831,7 +6454,7 @@
 </p:sld>
 </file>
 
-<file path=ppt/slides/slide17.xml><?xml version="1.0" encoding="utf-8"?>
+<file path=ppt/slides/slide16.xml><?xml version="1.0" encoding="utf-8"?>
 <p:sld xmlns:a="http://schemas.openxmlformats.org/drawingml/2006/main" xmlns:r="http://schemas.openxmlformats.org/officeDocument/2006/relationships" xmlns:p="http://schemas.openxmlformats.org/presentationml/2006/main">
   <p:cSld>
     <p:spTree>
@@ -8046,13 +7669,14 @@
           </a:bodyPr>
           <a:lstStyle/>
           <a:p>
+            <a:pPr algn="just"/>
             <a:r>
               <a:rPr lang="en-US" b="1" dirty="0"/>
               <a:t>1. Accuracy of Predictions</a:t>
             </a:r>
           </a:p>
           <a:p>
-            <a:pPr>
+            <a:pPr algn="just">
               <a:buFont typeface="Arial" panose="020B0604020202020204" pitchFamily="34" charset="0"/>
               <a:buChar char="•"/>
             </a:pPr>
@@ -8062,13 +7686,14 @@
             </a:r>
           </a:p>
           <a:p>
+            <a:pPr algn="just"/>
             <a:r>
               <a:rPr lang="en-US" b="1" dirty="0"/>
               <a:t>2. User Compliance and Data Quality</a:t>
             </a:r>
           </a:p>
           <a:p>
-            <a:pPr>
+            <a:pPr algn="just">
               <a:buFont typeface="Arial" panose="020B0604020202020204" pitchFamily="34" charset="0"/>
               <a:buChar char="•"/>
             </a:pPr>
@@ -8078,13 +7703,14 @@
             </a:r>
           </a:p>
           <a:p>
+            <a:pPr algn="just"/>
             <a:r>
               <a:rPr lang="en-US" b="1" dirty="0"/>
               <a:t>3. Potential for Overemphasis on Metrics</a:t>
             </a:r>
           </a:p>
           <a:p>
-            <a:pPr>
+            <a:pPr algn="just">
               <a:buFont typeface="Arial" panose="020B0604020202020204" pitchFamily="34" charset="0"/>
               <a:buChar char="•"/>
             </a:pPr>
@@ -8094,13 +7720,14 @@
             </a:r>
           </a:p>
           <a:p>
+            <a:pPr algn="just"/>
             <a:r>
               <a:rPr lang="en-US" b="1" dirty="0"/>
               <a:t>4. Limited Holistic Health Integration</a:t>
             </a:r>
           </a:p>
           <a:p>
-            <a:pPr>
+            <a:pPr algn="just">
               <a:buFont typeface="Arial" panose="020B0604020202020204" pitchFamily="34" charset="0"/>
               <a:buChar char="•"/>
             </a:pPr>
@@ -8110,13 +7737,14 @@
             </a:r>
           </a:p>
           <a:p>
+            <a:pPr algn="just"/>
             <a:r>
               <a:rPr lang="en-US" b="1" dirty="0"/>
               <a:t>5. Data Privacy and Security Concerns</a:t>
             </a:r>
           </a:p>
           <a:p>
-            <a:pPr>
+            <a:pPr algn="just">
               <a:buFont typeface="Arial" panose="020B0604020202020204" pitchFamily="34" charset="0"/>
               <a:buChar char="•"/>
             </a:pPr>
@@ -8126,13 +7754,14 @@
             </a:r>
           </a:p>
           <a:p>
+            <a:pPr algn="just"/>
             <a:r>
               <a:rPr lang="en-US" b="1" dirty="0"/>
               <a:t>6. Lack of Real-Time Adaptability</a:t>
             </a:r>
           </a:p>
           <a:p>
-            <a:pPr>
+            <a:pPr algn="just">
               <a:buFont typeface="Arial" panose="020B0604020202020204" pitchFamily="34" charset="0"/>
               <a:buChar char="•"/>
             </a:pPr>
@@ -8142,13 +7771,14 @@
             </a:r>
           </a:p>
           <a:p>
+            <a:pPr algn="just"/>
             <a:r>
               <a:rPr lang="en-US" b="1" dirty="0"/>
               <a:t>7. Limited Scope of Nutritional Analysis</a:t>
             </a:r>
           </a:p>
           <a:p>
-            <a:pPr>
+            <a:pPr algn="just">
               <a:buFont typeface="Arial" panose="020B0604020202020204" pitchFamily="34" charset="0"/>
               <a:buChar char="•"/>
             </a:pPr>
@@ -8242,6 +7872,7 @@
           <a:bodyPr/>
           <a:lstStyle/>
           <a:p>
+            <a:pPr algn="just"/>
             <a:r>
               <a:rPr lang="en-US" dirty="0"/>
               <a:t>The Health Buddy app collects user inputs for food, water intake, and physical activities. It utilizes machine learning models to predict calorie intake, analyze nutrients, detect deficiencies, and identify potential health risks based on diet patterns. The app features dynamic trackers for calorie and water consumption, daily reminders, and user insights, with Firebase ensuring secure data storage. Personalized goals and dietary suggestions are provided to help users meet health targets, and the app continuously improves through user feedback and model updates for accurate predictions and recommendations.</a:t>
@@ -8528,7 +8159,7 @@
           <p:cNvPr id="2" name="Title 1">
             <a:extLst>
               <a:ext uri="{FF2B5EF4-FFF2-40B4-BE49-F238E27FC236}">
-                <a16:creationId xmlns:a16="http://schemas.microsoft.com/office/drawing/2014/main" id="{B155A156-B1FC-CA07-89DA-0BCF63C14900}"/>
+                <a16:creationId xmlns:a16="http://schemas.microsoft.com/office/drawing/2014/main" id="{D8CF9A4E-3FE1-24E2-CC93-EFD25DCA3366}"/>
               </a:ext>
             </a:extLst>
           </p:cNvPr>
@@ -8546,7 +8177,7 @@
           <a:p>
             <a:r>
               <a:rPr lang="en-US" dirty="0"/>
-              <a:t>Architecture</a:t>
+              <a:t>Flow Chart</a:t>
             </a:r>
             <a:endParaRPr lang="en-IN" dirty="0"/>
           </a:p>
@@ -8554,10 +8185,10 @@
       </p:sp>
       <p:sp>
         <p:nvSpPr>
-          <p:cNvPr id="3" name="Content Placeholder 2">
+          <p:cNvPr id="4" name="Content Placeholder 3">
             <a:extLst>
               <a:ext uri="{FF2B5EF4-FFF2-40B4-BE49-F238E27FC236}">
-                <a16:creationId xmlns:a16="http://schemas.microsoft.com/office/drawing/2014/main" id="{E247C48A-A695-CEA8-2CD0-BD39108BAB2F}"/>
+                <a16:creationId xmlns:a16="http://schemas.microsoft.com/office/drawing/2014/main" id="{AEE75D42-04A6-8F03-90B9-E8C4D9FE3DC3}"/>
               </a:ext>
             </a:extLst>
           </p:cNvPr>
@@ -8577,456 +8208,40 @@
           </a:p>
         </p:txBody>
       </p:sp>
-      <p:sp>
-        <p:nvSpPr>
-          <p:cNvPr id="4" name="Rectangle 3">
+      <p:pic>
+        <p:nvPicPr>
+          <p:cNvPr id="7" name="Picture 6">
             <a:extLst>
               <a:ext uri="{FF2B5EF4-FFF2-40B4-BE49-F238E27FC236}">
-                <a16:creationId xmlns:a16="http://schemas.microsoft.com/office/drawing/2014/main" id="{116B40B7-AADC-BD8A-47EC-7B6F37FF0569}"/>
+                <a16:creationId xmlns:a16="http://schemas.microsoft.com/office/drawing/2014/main" id="{59F0EDA9-012F-1F1C-06E8-2C42D422DDF0}"/>
               </a:ext>
             </a:extLst>
           </p:cNvPr>
-          <p:cNvSpPr/>
+          <p:cNvPicPr>
+            <a:picLocks noChangeAspect="1"/>
+          </p:cNvPicPr>
           <p:nvPr/>
-        </p:nvSpPr>
+        </p:nvPicPr>
+        <p:blipFill>
+          <a:blip r:embed="rId2"/>
+          <a:stretch>
+            <a:fillRect/>
+          </a:stretch>
+        </p:blipFill>
         <p:spPr>
           <a:xfrm>
-            <a:off x="4756557" y="1504755"/>
-            <a:ext cx="2275747" cy="2808214"/>
+            <a:off x="2055303" y="1054858"/>
+            <a:ext cx="7401481" cy="4939418"/>
           </a:xfrm>
           <a:prstGeom prst="rect">
             <a:avLst/>
           </a:prstGeom>
-          <a:solidFill>
-            <a:schemeClr val="bg1"/>
-          </a:solidFill>
-          <a:ln>
-            <a:solidFill>
-              <a:schemeClr val="tx1"/>
-            </a:solidFill>
-          </a:ln>
         </p:spPr>
-        <p:style>
-          <a:lnRef idx="2">
-            <a:schemeClr val="accent1">
-              <a:shade val="15000"/>
-            </a:schemeClr>
-          </a:lnRef>
-          <a:fillRef idx="1">
-            <a:schemeClr val="accent1"/>
-          </a:fillRef>
-          <a:effectRef idx="0">
-            <a:schemeClr val="accent1"/>
-          </a:effectRef>
-          <a:fontRef idx="minor">
-            <a:schemeClr val="lt1"/>
-          </a:fontRef>
-        </p:style>
-        <p:txBody>
-          <a:bodyPr rtlCol="0" anchor="ctr"/>
-          <a:lstStyle/>
-          <a:p>
-            <a:pPr algn="ctr"/>
-            <a:endParaRPr lang="en-IN"/>
-          </a:p>
-        </p:txBody>
-      </p:sp>
-      <p:cxnSp>
-        <p:nvCxnSpPr>
-          <p:cNvPr id="6" name="Straight Arrow Connector 5">
-            <a:extLst>
-              <a:ext uri="{FF2B5EF4-FFF2-40B4-BE49-F238E27FC236}">
-                <a16:creationId xmlns:a16="http://schemas.microsoft.com/office/drawing/2014/main" id="{12ACB20A-4DC6-2A83-FF7E-7E88E9DCF592}"/>
-              </a:ext>
-            </a:extLst>
-          </p:cNvPr>
-          <p:cNvCxnSpPr>
-            <a:cxnSpLocks/>
-          </p:cNvCxnSpPr>
-          <p:nvPr/>
-        </p:nvCxnSpPr>
-        <p:spPr>
-          <a:xfrm flipH="1">
-            <a:off x="3246539" y="2581712"/>
-            <a:ext cx="1510018" cy="723550"/>
-          </a:xfrm>
-          <a:prstGeom prst="straightConnector1">
-            <a:avLst/>
-          </a:prstGeom>
-          <a:ln>
-            <a:tailEnd type="triangle"/>
-          </a:ln>
-        </p:spPr>
-        <p:style>
-          <a:lnRef idx="1">
-            <a:schemeClr val="accent1"/>
-          </a:lnRef>
-          <a:fillRef idx="0">
-            <a:schemeClr val="accent1"/>
-          </a:fillRef>
-          <a:effectRef idx="0">
-            <a:schemeClr val="accent1"/>
-          </a:effectRef>
-          <a:fontRef idx="minor">
-            <a:schemeClr val="tx1"/>
-          </a:fontRef>
-        </p:style>
-      </p:cxnSp>
-      <p:sp>
-        <p:nvSpPr>
-          <p:cNvPr id="7" name="Rectangle 6">
-            <a:extLst>
-              <a:ext uri="{FF2B5EF4-FFF2-40B4-BE49-F238E27FC236}">
-                <a16:creationId xmlns:a16="http://schemas.microsoft.com/office/drawing/2014/main" id="{D79890AF-D40B-02A9-E129-AB6AA064CAED}"/>
-              </a:ext>
-            </a:extLst>
-          </p:cNvPr>
-          <p:cNvSpPr/>
-          <p:nvPr/>
-        </p:nvSpPr>
-        <p:spPr>
-          <a:xfrm>
-            <a:off x="1216404" y="2340528"/>
-            <a:ext cx="2030135" cy="2189527"/>
-          </a:xfrm>
-          <a:prstGeom prst="rect">
-            <a:avLst/>
-          </a:prstGeom>
-          <a:solidFill>
-            <a:schemeClr val="bg1"/>
-          </a:solidFill>
-          <a:ln>
-            <a:solidFill>
-              <a:schemeClr val="tx1"/>
-            </a:solidFill>
-          </a:ln>
-        </p:spPr>
-        <p:style>
-          <a:lnRef idx="2">
-            <a:schemeClr val="accent1">
-              <a:shade val="15000"/>
-            </a:schemeClr>
-          </a:lnRef>
-          <a:fillRef idx="1">
-            <a:schemeClr val="accent1"/>
-          </a:fillRef>
-          <a:effectRef idx="0">
-            <a:schemeClr val="accent1"/>
-          </a:effectRef>
-          <a:fontRef idx="minor">
-            <a:schemeClr val="lt1"/>
-          </a:fontRef>
-        </p:style>
-        <p:txBody>
-          <a:bodyPr rtlCol="0" anchor="ctr"/>
-          <a:lstStyle/>
-          <a:p>
-            <a:pPr algn="ctr"/>
-            <a:endParaRPr lang="en-IN"/>
-          </a:p>
-        </p:txBody>
-      </p:sp>
-      <p:cxnSp>
-        <p:nvCxnSpPr>
-          <p:cNvPr id="10" name="Straight Arrow Connector 9">
-            <a:extLst>
-              <a:ext uri="{FF2B5EF4-FFF2-40B4-BE49-F238E27FC236}">
-                <a16:creationId xmlns:a16="http://schemas.microsoft.com/office/drawing/2014/main" id="{FEB629AE-914A-6A76-03B0-DD8D9B08D706}"/>
-              </a:ext>
-            </a:extLst>
-          </p:cNvPr>
-          <p:cNvCxnSpPr>
-            <a:cxnSpLocks/>
-          </p:cNvCxnSpPr>
-          <p:nvPr/>
-        </p:nvCxnSpPr>
-        <p:spPr>
-          <a:xfrm>
-            <a:off x="6979640" y="2581712"/>
-            <a:ext cx="1554293" cy="782273"/>
-          </a:xfrm>
-          <a:prstGeom prst="straightConnector1">
-            <a:avLst/>
-          </a:prstGeom>
-          <a:ln>
-            <a:tailEnd type="triangle"/>
-          </a:ln>
-        </p:spPr>
-        <p:style>
-          <a:lnRef idx="1">
-            <a:schemeClr val="accent1"/>
-          </a:lnRef>
-          <a:fillRef idx="0">
-            <a:schemeClr val="accent1"/>
-          </a:fillRef>
-          <a:effectRef idx="0">
-            <a:schemeClr val="accent1"/>
-          </a:effectRef>
-          <a:fontRef idx="minor">
-            <a:schemeClr val="tx1"/>
-          </a:fontRef>
-        </p:style>
-      </p:cxnSp>
-      <p:sp>
-        <p:nvSpPr>
-          <p:cNvPr id="13" name="Rectangle 12">
-            <a:extLst>
-              <a:ext uri="{FF2B5EF4-FFF2-40B4-BE49-F238E27FC236}">
-                <a16:creationId xmlns:a16="http://schemas.microsoft.com/office/drawing/2014/main" id="{721A94F9-019F-5234-4C82-4FC212B43D8A}"/>
-              </a:ext>
-            </a:extLst>
-          </p:cNvPr>
-          <p:cNvSpPr/>
-          <p:nvPr/>
-        </p:nvSpPr>
-        <p:spPr>
-          <a:xfrm>
-            <a:off x="8563762" y="2340528"/>
-            <a:ext cx="2217024" cy="2189527"/>
-          </a:xfrm>
-          <a:prstGeom prst="rect">
-            <a:avLst/>
-          </a:prstGeom>
-          <a:solidFill>
-            <a:schemeClr val="bg1"/>
-          </a:solidFill>
-          <a:ln>
-            <a:solidFill>
-              <a:schemeClr val="tx1"/>
-            </a:solidFill>
-          </a:ln>
-        </p:spPr>
-        <p:style>
-          <a:lnRef idx="2">
-            <a:schemeClr val="accent1">
-              <a:shade val="15000"/>
-            </a:schemeClr>
-          </a:lnRef>
-          <a:fillRef idx="1">
-            <a:schemeClr val="accent1"/>
-          </a:fillRef>
-          <a:effectRef idx="0">
-            <a:schemeClr val="accent1"/>
-          </a:effectRef>
-          <a:fontRef idx="minor">
-            <a:schemeClr val="lt1"/>
-          </a:fontRef>
-        </p:style>
-        <p:txBody>
-          <a:bodyPr rtlCol="0" anchor="ctr"/>
-          <a:lstStyle/>
-          <a:p>
-            <a:pPr algn="ctr"/>
-            <a:endParaRPr lang="en-IN" dirty="0"/>
-          </a:p>
-        </p:txBody>
-      </p:sp>
-      <p:sp>
-        <p:nvSpPr>
-          <p:cNvPr id="14" name="TextBox 13">
-            <a:extLst>
-              <a:ext uri="{FF2B5EF4-FFF2-40B4-BE49-F238E27FC236}">
-                <a16:creationId xmlns:a16="http://schemas.microsoft.com/office/drawing/2014/main" id="{3410AAC6-C866-D1F6-7410-C82BC28114D4}"/>
-              </a:ext>
-            </a:extLst>
-          </p:cNvPr>
-          <p:cNvSpPr txBox="1"/>
-          <p:nvPr/>
-        </p:nvSpPr>
-        <p:spPr>
-          <a:xfrm>
-            <a:off x="4786386" y="1504756"/>
-            <a:ext cx="2330739" cy="2585323"/>
-          </a:xfrm>
-          <a:prstGeom prst="rect">
-            <a:avLst/>
-          </a:prstGeom>
-          <a:noFill/>
-        </p:spPr>
-        <p:txBody>
-          <a:bodyPr wrap="square" rtlCol="0">
-            <a:spAutoFit/>
-          </a:bodyPr>
-          <a:lstStyle/>
-          <a:p>
-            <a:r>
-              <a:rPr lang="en-IN" dirty="0"/>
-              <a:t>USER INTERFACE</a:t>
-            </a:r>
-          </a:p>
-          <a:p>
-            <a:r>
-              <a:rPr lang="en-IN" dirty="0"/>
-              <a:t>------------------</a:t>
-            </a:r>
-          </a:p>
-          <a:p>
-            <a:pPr marL="285750" indent="-285750">
-              <a:buFont typeface="Arial" panose="020B0604020202020204" pitchFamily="34" charset="0"/>
-              <a:buChar char="•"/>
-            </a:pPr>
-            <a:r>
-              <a:rPr lang="en-IN" dirty="0"/>
-              <a:t>1.HOME SCREEN</a:t>
-            </a:r>
-          </a:p>
-          <a:p>
-            <a:pPr marL="285750" indent="-285750">
-              <a:buFont typeface="Arial" panose="020B0604020202020204" pitchFamily="34" charset="0"/>
-              <a:buChar char="•"/>
-            </a:pPr>
-            <a:r>
-              <a:rPr lang="en-IN" dirty="0"/>
-              <a:t>WATER INTAKE</a:t>
-            </a:r>
-          </a:p>
-          <a:p>
-            <a:pPr marL="285750" indent="-285750">
-              <a:buFont typeface="Arial" panose="020B0604020202020204" pitchFamily="34" charset="0"/>
-              <a:buChar char="•"/>
-            </a:pPr>
-            <a:r>
-              <a:rPr lang="en-IN" dirty="0"/>
-              <a:t>CALORIE TRACKER</a:t>
-            </a:r>
-          </a:p>
-          <a:p>
-            <a:pPr marL="285750" indent="-285750">
-              <a:buFont typeface="Arial" panose="020B0604020202020204" pitchFamily="34" charset="0"/>
-              <a:buChar char="•"/>
-            </a:pPr>
-            <a:r>
-              <a:rPr lang="en-IN" dirty="0"/>
-              <a:t>ALL OTHER PAGES</a:t>
-            </a:r>
-          </a:p>
-        </p:txBody>
-      </p:sp>
-      <p:sp>
-        <p:nvSpPr>
-          <p:cNvPr id="15" name="TextBox 14">
-            <a:extLst>
-              <a:ext uri="{FF2B5EF4-FFF2-40B4-BE49-F238E27FC236}">
-                <a16:creationId xmlns:a16="http://schemas.microsoft.com/office/drawing/2014/main" id="{40939F2D-D6BB-87E4-1016-BF44894E39F1}"/>
-              </a:ext>
-            </a:extLst>
-          </p:cNvPr>
-          <p:cNvSpPr txBox="1"/>
-          <p:nvPr/>
-        </p:nvSpPr>
-        <p:spPr>
-          <a:xfrm>
-            <a:off x="1308683" y="2581712"/>
-            <a:ext cx="1864685" cy="2031325"/>
-          </a:xfrm>
-          <a:prstGeom prst="rect">
-            <a:avLst/>
-          </a:prstGeom>
-          <a:noFill/>
-        </p:spPr>
-        <p:txBody>
-          <a:bodyPr wrap="square" rtlCol="0">
-            <a:spAutoFit/>
-          </a:bodyPr>
-          <a:lstStyle/>
-          <a:p>
-            <a:r>
-              <a:rPr lang="en-IN" dirty="0"/>
-              <a:t>BACKEND SERVICES</a:t>
-            </a:r>
-          </a:p>
-          <a:p>
-            <a:r>
-              <a:rPr lang="en-IN" dirty="0"/>
-              <a:t>----------------</a:t>
-            </a:r>
-          </a:p>
-          <a:p>
-            <a:r>
-              <a:rPr lang="en-IN" dirty="0"/>
-              <a:t>MACHINE LEARNING MODEL</a:t>
-            </a:r>
-          </a:p>
-          <a:p>
-            <a:endParaRPr lang="en-IN" dirty="0"/>
-          </a:p>
-        </p:txBody>
-      </p:sp>
-      <p:sp>
-        <p:nvSpPr>
-          <p:cNvPr id="16" name="TextBox 15">
-            <a:extLst>
-              <a:ext uri="{FF2B5EF4-FFF2-40B4-BE49-F238E27FC236}">
-                <a16:creationId xmlns:a16="http://schemas.microsoft.com/office/drawing/2014/main" id="{EC79BF2D-5A1B-8EE5-4D46-53C606A0C95B}"/>
-              </a:ext>
-            </a:extLst>
-          </p:cNvPr>
-          <p:cNvSpPr txBox="1"/>
-          <p:nvPr/>
-        </p:nvSpPr>
-        <p:spPr>
-          <a:xfrm>
-            <a:off x="8649050" y="2581712"/>
-            <a:ext cx="2021746" cy="1754326"/>
-          </a:xfrm>
-          <a:prstGeom prst="rect">
-            <a:avLst/>
-          </a:prstGeom>
-          <a:noFill/>
-        </p:spPr>
-        <p:txBody>
-          <a:bodyPr wrap="square" rtlCol="0">
-            <a:spAutoFit/>
-          </a:bodyPr>
-          <a:lstStyle/>
-          <a:p>
-            <a:r>
-              <a:rPr lang="en-IN" dirty="0"/>
-              <a:t>FIREBASE</a:t>
-            </a:r>
-          </a:p>
-          <a:p>
-            <a:r>
-              <a:rPr lang="en-IN" dirty="0"/>
-              <a:t>----------------</a:t>
-            </a:r>
-          </a:p>
-          <a:p>
-            <a:pPr marL="285750" indent="-285750">
-              <a:buFont typeface="Arial" panose="020B0604020202020204" pitchFamily="34" charset="0"/>
-              <a:buChar char="•"/>
-            </a:pPr>
-            <a:r>
-              <a:rPr lang="en-IN" dirty="0"/>
-              <a:t>AUTHENTICATION</a:t>
-            </a:r>
-          </a:p>
-          <a:p>
-            <a:pPr marL="285750" indent="-285750">
-              <a:buFont typeface="Arial" panose="020B0604020202020204" pitchFamily="34" charset="0"/>
-              <a:buChar char="•"/>
-            </a:pPr>
-            <a:r>
-              <a:rPr lang="en-IN" dirty="0"/>
-              <a:t>USER DATA</a:t>
-            </a:r>
-          </a:p>
-          <a:p>
-            <a:pPr marL="285750" indent="-285750">
-              <a:buFont typeface="Arial" panose="020B0604020202020204" pitchFamily="34" charset="0"/>
-              <a:buChar char="•"/>
-            </a:pPr>
-            <a:r>
-              <a:rPr lang="en-IN" dirty="0"/>
-              <a:t>FOOD LOGS</a:t>
-            </a:r>
-          </a:p>
-        </p:txBody>
-      </p:sp>
+      </p:pic>
     </p:spTree>
     <p:extLst>
       <p:ext uri="{BB962C8B-B14F-4D97-AF65-F5344CB8AC3E}">
-        <p14:creationId xmlns:p14="http://schemas.microsoft.com/office/powerpoint/2010/main" val="593898751"/>
+        <p14:creationId xmlns:p14="http://schemas.microsoft.com/office/powerpoint/2010/main" val="2191537276"/>
       </p:ext>
     </p:extLst>
   </p:cSld>
@@ -9055,66 +8270,326 @@
       </p:grpSpPr>
       <p:sp>
         <p:nvSpPr>
-          <p:cNvPr id="2" name="Title 1">
+          <p:cNvPr id="2" name="Title 1"/>
+          <p:cNvSpPr>
+            <a:spLocks noGrp="1"/>
+          </p:cNvSpPr>
+          <p:nvPr>
+            <p:ph type="title"/>
+          </p:nvPr>
+        </p:nvSpPr>
+        <p:spPr/>
+        <p:txBody>
+          <a:bodyPr/>
+          <a:lstStyle/>
+          <a:p>
+            <a:r>
+              <a:rPr lang="en-GB" dirty="0"/>
+              <a:t>Hardware/Software components</a:t>
+            </a:r>
+          </a:p>
+        </p:txBody>
+      </p:sp>
+      <p:sp>
+        <p:nvSpPr>
+          <p:cNvPr id="3" name="Content Placeholder 2"/>
+          <p:cNvSpPr>
+            <a:spLocks noGrp="1"/>
+          </p:cNvSpPr>
+          <p:nvPr>
+            <p:ph idx="1"/>
+          </p:nvPr>
+        </p:nvSpPr>
+        <p:spPr>
+          <a:xfrm>
+            <a:off x="812800" y="1143001"/>
+            <a:ext cx="6863127" cy="4435678"/>
+          </a:xfrm>
+        </p:spPr>
+        <p:txBody>
+          <a:bodyPr>
+            <a:normAutofit fontScale="62500" lnSpcReduction="20000"/>
+          </a:bodyPr>
+          <a:lstStyle/>
+          <a:p>
+            <a:pPr marL="0" indent="0" algn="just">
+              <a:buNone/>
+            </a:pPr>
+            <a:r>
+              <a:rPr lang="en-IN" sz="2100" u="sng" dirty="0">
+                <a:effectLst/>
+              </a:rPr>
+              <a:t>Hardware:</a:t>
+            </a:r>
+            <a:endParaRPr lang="en-IN" sz="2100" dirty="0">
+              <a:effectLst/>
+            </a:endParaRPr>
+          </a:p>
+          <a:p>
+            <a:pPr marL="342900" lvl="0" indent="-342900" algn="just">
+              <a:buSzPts val="1000"/>
+              <a:buFont typeface="Symbol" panose="05050102010706020507" pitchFamily="18" charset="2"/>
+              <a:buChar char=""/>
+              <a:tabLst>
+                <a:tab pos="457200" algn="l"/>
+              </a:tabLst>
+            </a:pPr>
+            <a:r>
+              <a:rPr lang="en-IN" sz="2100" dirty="0">
+                <a:effectLst/>
+              </a:rPr>
+              <a:t>Smartphone/Tablet: The app is primarily developed for mobile platforms, requiring users to have a smartphone or tablet with support for modern operating systems like Android or iOS.</a:t>
+            </a:r>
+          </a:p>
+          <a:p>
+            <a:pPr marL="0" lvl="0" indent="0" algn="just">
+              <a:buSzPts val="1000"/>
+              <a:buNone/>
+              <a:tabLst>
+                <a:tab pos="457200" algn="l"/>
+              </a:tabLst>
+            </a:pPr>
+            <a:endParaRPr lang="en-IN" sz="2100" dirty="0">
+              <a:effectLst/>
+            </a:endParaRPr>
+          </a:p>
+          <a:p>
+            <a:pPr marL="342900" lvl="0" indent="-342900" algn="just">
+              <a:buSzPts val="1000"/>
+              <a:buFont typeface="Symbol" panose="05050102010706020507" pitchFamily="18" charset="2"/>
+              <a:buChar char=""/>
+              <a:tabLst>
+                <a:tab pos="457200" algn="l"/>
+              </a:tabLst>
+            </a:pPr>
+            <a:r>
+              <a:rPr lang="en-IN" sz="2100" dirty="0">
+                <a:effectLst/>
+              </a:rPr>
+              <a:t>Cloud Storage/Server: Data from the app, such as user health metrics and food intake history, will be stored and processed using Firebase for secure and efficient cloud-based data management.</a:t>
+            </a:r>
+          </a:p>
+          <a:p>
+            <a:pPr marL="0" lvl="0" indent="0" algn="just">
+              <a:buSzPts val="1000"/>
+              <a:buNone/>
+              <a:tabLst>
+                <a:tab pos="457200" algn="l"/>
+              </a:tabLst>
+            </a:pPr>
+            <a:endParaRPr lang="en-IN" sz="2100" dirty="0">
+              <a:effectLst/>
+            </a:endParaRPr>
+          </a:p>
+          <a:p>
+            <a:pPr marL="0" indent="0" algn="just">
+              <a:buNone/>
+            </a:pPr>
+            <a:r>
+              <a:rPr lang="en-IN" sz="2100" u="sng" dirty="0">
+                <a:effectLst/>
+              </a:rPr>
+              <a:t>Software:</a:t>
+            </a:r>
+          </a:p>
+          <a:p>
+            <a:pPr marL="0" indent="0" algn="just">
+              <a:buNone/>
+            </a:pPr>
+            <a:endParaRPr lang="en-IN" sz="2100" dirty="0">
+              <a:effectLst/>
+            </a:endParaRPr>
+          </a:p>
+          <a:p>
+            <a:pPr marL="342900" lvl="0" indent="-342900" algn="just">
+              <a:buSzPts val="1000"/>
+              <a:buFont typeface="Symbol" panose="05050102010706020507" pitchFamily="18" charset="2"/>
+              <a:buChar char=""/>
+              <a:tabLst>
+                <a:tab pos="457200" algn="l"/>
+              </a:tabLst>
+            </a:pPr>
+            <a:r>
+              <a:rPr lang="en-IN" sz="2100" dirty="0">
+                <a:effectLst/>
+              </a:rPr>
+              <a:t>Flutter SDK: The app is developed using Flutter, a cross-platform framework that enables the creation of a single codebase for both Android and iOS platforms.</a:t>
+            </a:r>
+          </a:p>
+          <a:p>
+            <a:pPr marL="0" lvl="0" indent="0" algn="just">
+              <a:buSzPts val="1000"/>
+              <a:buNone/>
+              <a:tabLst>
+                <a:tab pos="457200" algn="l"/>
+              </a:tabLst>
+            </a:pPr>
+            <a:r>
+              <a:rPr lang="en-IN" sz="2100" dirty="0">
+                <a:effectLst/>
+              </a:rPr>
+              <a:t> </a:t>
+            </a:r>
+          </a:p>
+          <a:p>
+            <a:pPr marL="342900" lvl="0" indent="-342900" algn="just">
+              <a:buSzPts val="1000"/>
+              <a:buFont typeface="Symbol" panose="05050102010706020507" pitchFamily="18" charset="2"/>
+              <a:buChar char=""/>
+              <a:tabLst>
+                <a:tab pos="457200" algn="l"/>
+              </a:tabLst>
+            </a:pPr>
+            <a:r>
+              <a:rPr lang="en-IN" sz="2100" dirty="0">
+                <a:effectLst/>
+              </a:rPr>
+              <a:t>Dart Programming Language: As Flutter's primary language, Dart is used to build the logic, user interface, and functionalities of the app.</a:t>
+            </a:r>
+          </a:p>
+          <a:p>
+            <a:pPr marL="0" lvl="0" indent="0" algn="just">
+              <a:buSzPts val="1000"/>
+              <a:buNone/>
+              <a:tabLst>
+                <a:tab pos="457200" algn="l"/>
+              </a:tabLst>
+            </a:pPr>
+            <a:endParaRPr lang="en-IN" sz="2100" dirty="0">
+              <a:effectLst/>
+            </a:endParaRPr>
+          </a:p>
+          <a:p>
+            <a:pPr marL="342900" lvl="0" indent="-342900" algn="just">
+              <a:buSzPts val="1000"/>
+              <a:buFont typeface="Symbol" panose="05050102010706020507" pitchFamily="18" charset="2"/>
+              <a:buChar char=""/>
+              <a:tabLst>
+                <a:tab pos="457200" algn="l"/>
+              </a:tabLst>
+            </a:pPr>
+            <a:r>
+              <a:rPr lang="en-IN" sz="2100" dirty="0">
+                <a:effectLst/>
+              </a:rPr>
+              <a:t>Firebase: The app uses Firebase for authentication (login/registration), real-time database management, and cloud storage. </a:t>
+            </a:r>
+            <a:endParaRPr lang="en-GB" dirty="0"/>
+          </a:p>
+        </p:txBody>
+      </p:sp>
+      <p:pic>
+        <p:nvPicPr>
+          <p:cNvPr id="5" name="Picture 4">
             <a:extLst>
               <a:ext uri="{FF2B5EF4-FFF2-40B4-BE49-F238E27FC236}">
-                <a16:creationId xmlns:a16="http://schemas.microsoft.com/office/drawing/2014/main" id="{D8CF9A4E-3FE1-24E2-CC93-EFD25DCA3366}"/>
-              </a:ext>
-            </a:extLst>
-          </p:cNvPr>
-          <p:cNvSpPr>
-            <a:spLocks noGrp="1"/>
-          </p:cNvSpPr>
-          <p:nvPr>
-            <p:ph type="title"/>
-          </p:nvPr>
-        </p:nvSpPr>
-        <p:spPr/>
-        <p:txBody>
-          <a:bodyPr/>
-          <a:lstStyle/>
-          <a:p>
-            <a:r>
-              <a:rPr lang="en-US" dirty="0"/>
-              <a:t>Architecture</a:t>
-            </a:r>
-            <a:endParaRPr lang="en-IN" dirty="0"/>
-          </a:p>
-        </p:txBody>
-      </p:sp>
-      <p:pic>
-        <p:nvPicPr>
-          <p:cNvPr id="5" name="Content Placeholder 4">
-            <a:extLst>
-              <a:ext uri="{FF2B5EF4-FFF2-40B4-BE49-F238E27FC236}">
-                <a16:creationId xmlns:a16="http://schemas.microsoft.com/office/drawing/2014/main" id="{FDD3C4A6-6647-5761-233A-2B9B21B1D008}"/>
+                <a16:creationId xmlns:a16="http://schemas.microsoft.com/office/drawing/2014/main" id="{C9538618-0CCC-D4FF-6ADA-77E2AC4AFAB3}"/>
               </a:ext>
             </a:extLst>
           </p:cNvPr>
           <p:cNvPicPr>
-            <a:picLocks noGrp="1" noChangeAspect="1"/>
+            <a:picLocks noChangeAspect="1"/>
           </p:cNvPicPr>
-          <p:nvPr>
-            <p:ph idx="1"/>
-          </p:nvPr>
+          <p:nvPr/>
         </p:nvPicPr>
         <p:blipFill>
-          <a:blip r:embed="rId2"/>
+          <a:blip r:embed="rId2">
+            <a:extLst>
+              <a:ext uri="{28A0092B-C50C-407E-A947-70E740481C1C}">
+                <a14:useLocalDpi xmlns:a14="http://schemas.microsoft.com/office/drawing/2010/main" val="0"/>
+              </a:ext>
+            </a:extLst>
+          </a:blip>
           <a:stretch>
             <a:fillRect/>
           </a:stretch>
         </p:blipFill>
         <p:spPr>
           <a:xfrm>
-            <a:off x="1434518" y="1143000"/>
-            <a:ext cx="8523214" cy="4695738"/>
+            <a:off x="10179186" y="969590"/>
+            <a:ext cx="1544895" cy="1544895"/>
           </a:xfrm>
+          <a:prstGeom prst="rect">
+            <a:avLst/>
+          </a:prstGeom>
+        </p:spPr>
+      </p:pic>
+      <p:pic>
+        <p:nvPicPr>
+          <p:cNvPr id="6" name="Picture 5">
+            <a:extLst>
+              <a:ext uri="{FF2B5EF4-FFF2-40B4-BE49-F238E27FC236}">
+                <a16:creationId xmlns:a16="http://schemas.microsoft.com/office/drawing/2014/main" id="{326FC910-5D54-BC55-5119-86812C0A6D11}"/>
+              </a:ext>
+            </a:extLst>
+          </p:cNvPr>
+          <p:cNvPicPr>
+            <a:picLocks noChangeAspect="1"/>
+          </p:cNvPicPr>
+          <p:nvPr/>
+        </p:nvPicPr>
+        <p:blipFill>
+          <a:blip r:embed="rId3" cstate="print">
+            <a:extLst>
+              <a:ext uri="{28A0092B-C50C-407E-A947-70E740481C1C}">
+                <a14:useLocalDpi xmlns:a14="http://schemas.microsoft.com/office/drawing/2010/main" val="0"/>
+              </a:ext>
+            </a:extLst>
+          </a:blip>
+          <a:stretch>
+            <a:fillRect/>
+          </a:stretch>
+        </p:blipFill>
+        <p:spPr>
+          <a:xfrm>
+            <a:off x="8123884" y="2514485"/>
+            <a:ext cx="2265027" cy="2150223"/>
+          </a:xfrm>
+          <a:prstGeom prst="rect">
+            <a:avLst/>
+          </a:prstGeom>
+        </p:spPr>
+      </p:pic>
+      <p:pic>
+        <p:nvPicPr>
+          <p:cNvPr id="8" name="Picture 7">
+            <a:extLst>
+              <a:ext uri="{FF2B5EF4-FFF2-40B4-BE49-F238E27FC236}">
+                <a16:creationId xmlns:a16="http://schemas.microsoft.com/office/drawing/2014/main" id="{35BB2982-F666-4CDD-55AA-C361CF97C9B1}"/>
+              </a:ext>
+            </a:extLst>
+          </p:cNvPr>
+          <p:cNvPicPr>
+            <a:picLocks noChangeAspect="1"/>
+          </p:cNvPicPr>
+          <p:nvPr/>
+        </p:nvPicPr>
+        <p:blipFill>
+          <a:blip r:embed="rId4">
+            <a:extLst>
+              <a:ext uri="{28A0092B-C50C-407E-A947-70E740481C1C}">
+                <a14:useLocalDpi xmlns:a14="http://schemas.microsoft.com/office/drawing/2010/main" val="0"/>
+              </a:ext>
+            </a:extLst>
+          </a:blip>
+          <a:stretch>
+            <a:fillRect/>
+          </a:stretch>
+        </p:blipFill>
+        <p:spPr>
+          <a:xfrm>
+            <a:off x="9944974" y="4435951"/>
+            <a:ext cx="1714500" cy="1714500"/>
+          </a:xfrm>
+          <a:prstGeom prst="rect">
+            <a:avLst/>
+          </a:prstGeom>
         </p:spPr>
       </p:pic>
     </p:spTree>
     <p:extLst>
       <p:ext uri="{BB962C8B-B14F-4D97-AF65-F5344CB8AC3E}">
-        <p14:creationId xmlns:p14="http://schemas.microsoft.com/office/powerpoint/2010/main" val="2191537276"/>
+        <p14:creationId xmlns:p14="http://schemas.microsoft.com/office/powerpoint/2010/main" val="2659618667"/>
       </p:ext>
     </p:extLst>
   </p:cSld>
